--- a/Lecture Materials/C/3 - Model Fitting.pptx
+++ b/Lecture Materials/C/3 - Model Fitting.pptx
@@ -610,23 +610,7 @@
           <a:p>
             <a:r>
               <a:rPr lang="en-US" dirty="0"/>
-              <a:t>Note that I don’t expect you to implement a neural network from scratch. This is just to give you an understanding of how they work. You can and should use </a:t>
-            </a:r>
-            <a:r>
-              <a:rPr lang="en-US" dirty="0" err="1"/>
-              <a:t>Keras</a:t>
-            </a:r>
-            <a:r>
-              <a:rPr lang="en-US" dirty="0"/>
-              <a:t>. Do NOT use </a:t>
-            </a:r>
-            <a:r>
-              <a:rPr lang="en-US" dirty="0" err="1"/>
-              <a:t>PyTorch</a:t>
-            </a:r>
-            <a:r>
-              <a:rPr lang="en-US" dirty="0"/>
-              <a:t>.</a:t>
+              <a:t>Note that I don’t expect you to implement a neural network from scratch. This is just to give you an understanding of how they work. </a:t>
             </a:r>
           </a:p>
         </p:txBody>
@@ -4872,10 +4856,10 @@
       </p:sp>
       <p:pic>
         <p:nvPicPr>
-          <p:cNvPr id="2" name="Picture 1">
-            <a:extLst>
-              <a:ext uri="{FF2B5EF4-FFF2-40B4-BE49-F238E27FC236}">
-                <a16:creationId xmlns:a16="http://schemas.microsoft.com/office/drawing/2014/main" id="{7996FC12-4D8C-8984-99A2-C79D791F25AC}"/>
+          <p:cNvPr id="11" name="Picture 10">
+            <a:extLst>
+              <a:ext uri="{FF2B5EF4-FFF2-40B4-BE49-F238E27FC236}">
+                <a16:creationId xmlns:a16="http://schemas.microsoft.com/office/drawing/2014/main" id="{AE76C32C-A59C-C742-A2AE-87B861A5411C}"/>
               </a:ext>
             </a:extLst>
           </p:cNvPr>
@@ -4892,12 +4876,22 @@
         </p:blipFill>
         <p:spPr>
           <a:xfrm>
-            <a:off x="3867976" y="3952026"/>
-            <a:ext cx="4456043" cy="2068877"/>
+            <a:off x="3469171" y="3586854"/>
+            <a:ext cx="5253655" cy="2960823"/>
           </a:xfrm>
           <a:prstGeom prst="rect">
             <a:avLst/>
           </a:prstGeom>
+          <a:ln>
+            <a:noFill/>
+          </a:ln>
+          <a:effectLst>
+            <a:outerShdw blurRad="292100" dist="139700" dir="2700000" algn="tl" rotWithShape="0">
+              <a:srgbClr val="333333">
+                <a:alpha val="65000"/>
+              </a:srgbClr>
+            </a:outerShdw>
+          </a:effectLst>
         </p:spPr>
       </p:pic>
     </p:spTree>
@@ -5089,7 +5083,7 @@
               <a:rPr lang="en-US" sz="5400" dirty="0">
                 <a:latin typeface="Economica" panose="02000506040000020004" pitchFamily="2" charset="77"/>
               </a:rPr>
-              <a:t>Homework Assignment #1</a:t>
+              <a:t>Individual Assignment</a:t>
             </a:r>
           </a:p>
         </p:txBody>
@@ -5109,7 +5103,7 @@
         <p:spPr>
           <a:xfrm>
             <a:off x="1087814" y="1348800"/>
-            <a:ext cx="10016362" cy="4493538"/>
+            <a:ext cx="10016362" cy="4770537"/>
           </a:xfrm>
           <a:prstGeom prst="rect">
             <a:avLst/>
@@ -5153,19 +5147,19 @@
               <a:rPr lang="en-US" dirty="0">
                 <a:latin typeface="Quicksand" pitchFamily="2" charset="77"/>
               </a:rPr>
-              <a:t>Your goal is to use this data to predict how long an individual’s bike trip will last, in seconds.</a:t>
-            </a:r>
-          </a:p>
-          <a:p>
-            <a:pPr marL="628650" lvl="1" indent="-171450">
-              <a:buFont typeface="Arial" panose="020B0604020202020204" pitchFamily="34" charset="0"/>
-              <a:buChar char="•"/>
-            </a:pPr>
+              <a:t>Your goal is to use this data to predict how long an individual’s bike rental / trip will last, at the time they begin the rental. See instructions for the assignment on </a:t>
+            </a:r>
+            <a:r>
+              <a:rPr lang="en-US" dirty="0" err="1">
+                <a:latin typeface="Quicksand" pitchFamily="2" charset="77"/>
+              </a:rPr>
+              <a:t>Github</a:t>
+            </a:r>
             <a:r>
               <a:rPr lang="en-US" dirty="0">
                 <a:latin typeface="Quicksand" pitchFamily="2" charset="77"/>
               </a:rPr>
-              <a:t>Refer to assignment instructions and rubric on Blackboard.</a:t>
+              <a:t>.</a:t>
             </a:r>
           </a:p>
           <a:p>
@@ -5206,7 +5200,19 @@
               <a:rPr lang="en-US" dirty="0">
                 <a:latin typeface="Quicksand" pitchFamily="2" charset="77"/>
               </a:rPr>
-              <a:t> notebook documenting your work (include the names of the contributors at the top of your notebook).</a:t>
+              <a:t> notebook documenting your work (include the names of the contributors at the top of your notebook). Submit the .</a:t>
+            </a:r>
+            <a:r>
+              <a:rPr lang="en-US" dirty="0" err="1">
+                <a:latin typeface="Quicksand" pitchFamily="2" charset="77"/>
+              </a:rPr>
+              <a:t>ipynb</a:t>
+            </a:r>
+            <a:r>
+              <a:rPr lang="en-US" dirty="0">
+                <a:latin typeface="Quicksand" pitchFamily="2" charset="77"/>
+              </a:rPr>
+              <a:t> file on Blackboard by the assignment deadline.</a:t>
             </a:r>
           </a:p>
           <a:p>
@@ -5218,7 +5224,19 @@
               <a:rPr lang="en-US" dirty="0">
                 <a:latin typeface="Quicksand" pitchFamily="2" charset="77"/>
               </a:rPr>
-              <a:t>Include comments in your code so that we (the TA and I) are clear what you were trying to do! Remember, this is an individual assignment. You are free to talk to other students at a high level about their approach, but you should not collaborate directly with anyone else (e.g., sharing code).</a:t>
+              <a:t>Make sure you comment your code well and follow the provided template so we (the TA and I) are clear what you were trying to do! Feel free to re-use code from class examples, to chat at a high level with other students about approach, or to use </a:t>
+            </a:r>
+            <a:r>
+              <a:rPr lang="en-US" dirty="0" err="1">
+                <a:latin typeface="Quicksand" pitchFamily="2" charset="77"/>
+              </a:rPr>
+              <a:t>ChatGPT</a:t>
+            </a:r>
+            <a:r>
+              <a:rPr lang="en-US" dirty="0">
+                <a:latin typeface="Quicksand" pitchFamily="2" charset="77"/>
+              </a:rPr>
+              <a:t>. However, you should not copy or re-use other students code. </a:t>
             </a:r>
           </a:p>
           <a:p>
@@ -5230,31 +5248,7 @@
               <a:rPr lang="en-US" dirty="0">
                 <a:latin typeface="Quicksand" pitchFamily="2" charset="77"/>
               </a:rPr>
-              <a:t>You are welcome to make use of </a:t>
-            </a:r>
-            <a:r>
-              <a:rPr lang="en-US" dirty="0" err="1">
-                <a:latin typeface="Quicksand" pitchFamily="2" charset="77"/>
-              </a:rPr>
-              <a:t>ChatGPT</a:t>
-            </a:r>
-            <a:r>
-              <a:rPr lang="en-US" dirty="0">
-                <a:latin typeface="Quicksand" pitchFamily="2" charset="77"/>
-              </a:rPr>
-              <a:t>, but you must document how you used </a:t>
-            </a:r>
-            <a:r>
-              <a:rPr lang="en-US" dirty="0" err="1">
-                <a:latin typeface="Quicksand" pitchFamily="2" charset="77"/>
-              </a:rPr>
-              <a:t>ChatGPT</a:t>
-            </a:r>
-            <a:r>
-              <a:rPr lang="en-US" dirty="0">
-                <a:latin typeface="Quicksand" pitchFamily="2" charset="77"/>
-              </a:rPr>
-              <a:t> (provide the prompts you used and screenshot output). Submit as a separate document. </a:t>
+              <a:t>Answer conceptual questions laid out in the assignment document. </a:t>
             </a:r>
           </a:p>
           <a:p>
@@ -5266,7 +5260,31 @@
               <a:rPr lang="en-US" dirty="0">
                 <a:latin typeface="Quicksand" pitchFamily="2" charset="77"/>
               </a:rPr>
-              <a:t>Answer conceptual questions in a separate Word document (see assignment material posted on class Blackboard site).</a:t>
+              <a:t>Document your use of </a:t>
+            </a:r>
+            <a:r>
+              <a:rPr lang="en-US" dirty="0" err="1">
+                <a:latin typeface="Quicksand" pitchFamily="2" charset="77"/>
+              </a:rPr>
+              <a:t>ChatGPT</a:t>
+            </a:r>
+            <a:r>
+              <a:rPr lang="en-US" dirty="0">
+                <a:latin typeface="Quicksand" pitchFamily="2" charset="77"/>
+              </a:rPr>
+              <a:t> (include the prompts you used and screenshot output). </a:t>
+            </a:r>
+          </a:p>
+          <a:p>
+            <a:pPr marL="635000" lvl="1" indent="-173038">
+              <a:buFont typeface="Arial" panose="020B0604020202020204" pitchFamily="34" charset="0"/>
+              <a:buChar char="•"/>
+            </a:pPr>
+            <a:r>
+              <a:rPr lang="en-US" dirty="0">
+                <a:latin typeface="Quicksand" pitchFamily="2" charset="77"/>
+              </a:rPr>
+              <a:t>State which other students you spoke to / interacted with when brainstorming how to solve the assignment.</a:t>
             </a:r>
           </a:p>
           <a:p>

--- a/Lecture Materials/C/3 - Model Fitting.pptx
+++ b/Lecture Materials/C/3 - Model Fitting.pptx
@@ -210,7 +210,7 @@
           <a:p>
             <a:fld id="{EFA659FB-0419-C24D-A6C0-9A1B475B1E65}" type="datetimeFigureOut">
               <a:rPr lang="en-US" smtClean="0"/>
-              <a:t>3/28/23</a:t>
+              <a:t>3/30/23</a:t>
             </a:fld>
             <a:endParaRPr lang="en-US"/>
           </a:p>
@@ -1092,7 +1092,7 @@
           <a:p>
             <a:fld id="{87C2F797-6DFD-C74C-BA29-8B3CE1E6C725}" type="datetime1">
               <a:rPr lang="en-US" smtClean="0"/>
-              <a:t>3/28/23</a:t>
+              <a:t>3/30/23</a:t>
             </a:fld>
             <a:endParaRPr lang="en-US"/>
           </a:p>
@@ -1300,7 +1300,7 @@
           <a:p>
             <a:fld id="{64FE1960-B74B-0949-9DEF-CBE661CB7825}" type="datetime1">
               <a:rPr lang="en-US" smtClean="0"/>
-              <a:t>3/28/23</a:t>
+              <a:t>3/30/23</a:t>
             </a:fld>
             <a:endParaRPr lang="en-US"/>
           </a:p>
@@ -1498,7 +1498,7 @@
           <a:p>
             <a:fld id="{91871F70-41C7-F44D-9284-EB301E270CC7}" type="datetime1">
               <a:rPr lang="en-US" smtClean="0"/>
-              <a:t>3/28/23</a:t>
+              <a:t>3/30/23</a:t>
             </a:fld>
             <a:endParaRPr lang="en-US"/>
           </a:p>
@@ -1811,7 +1811,7 @@
           <a:p>
             <a:fld id="{E33F645A-02C2-AF41-9FDB-389E34E8B990}" type="datetime1">
               <a:rPr lang="en-US" smtClean="0"/>
-              <a:t>3/28/23</a:t>
+              <a:t>3/30/23</a:t>
             </a:fld>
             <a:endParaRPr lang="en-US"/>
           </a:p>
@@ -2076,7 +2076,7 @@
           <a:p>
             <a:fld id="{AB873A4C-DE8A-2F49-8ABE-1735EE515528}" type="datetime1">
               <a:rPr lang="en-US" smtClean="0"/>
-              <a:t>3/28/23</a:t>
+              <a:t>3/30/23</a:t>
             </a:fld>
             <a:endParaRPr lang="en-US"/>
           </a:p>
@@ -2488,7 +2488,7 @@
           <a:p>
             <a:fld id="{7DA13BA6-E929-9643-AF0C-C0B90BC6EAC0}" type="datetime1">
               <a:rPr lang="en-US" smtClean="0"/>
-              <a:t>3/28/23</a:t>
+              <a:t>3/30/23</a:t>
             </a:fld>
             <a:endParaRPr lang="en-US"/>
           </a:p>
@@ -2629,7 +2629,7 @@
           <a:p>
             <a:fld id="{1062371E-C5A0-7448-8CF8-A797D242C61D}" type="datetime1">
               <a:rPr lang="en-US" smtClean="0"/>
-              <a:t>3/28/23</a:t>
+              <a:t>3/30/23</a:t>
             </a:fld>
             <a:endParaRPr lang="en-US"/>
           </a:p>
@@ -2742,7 +2742,7 @@
           <a:p>
             <a:fld id="{33C9D714-59A4-C649-915B-E960BF4AC878}" type="datetime1">
               <a:rPr lang="en-US" smtClean="0"/>
-              <a:t>3/28/23</a:t>
+              <a:t>3/30/23</a:t>
             </a:fld>
             <a:endParaRPr lang="en-US"/>
           </a:p>
@@ -3053,7 +3053,7 @@
           <a:p>
             <a:fld id="{3951679C-160D-1F41-A3C3-54837256FB50}" type="datetime1">
               <a:rPr lang="en-US" smtClean="0"/>
-              <a:t>3/28/23</a:t>
+              <a:t>3/30/23</a:t>
             </a:fld>
             <a:endParaRPr lang="en-US"/>
           </a:p>
@@ -3341,7 +3341,7 @@
           <a:p>
             <a:fld id="{296B5A14-0E14-114B-AA5F-546D4BF7B2DC}" type="datetime1">
               <a:rPr lang="en-US" smtClean="0"/>
-              <a:t>3/28/23</a:t>
+              <a:t>3/30/23</a:t>
             </a:fld>
             <a:endParaRPr lang="en-US"/>
           </a:p>
@@ -3582,7 +3582,7 @@
           <a:p>
             <a:fld id="{1A75E9CF-B19A-3C42-99C1-DBC4AFBA0816}" type="datetime1">
               <a:rPr lang="en-US" smtClean="0"/>
-              <a:t>3/28/23</a:t>
+              <a:t>3/30/23</a:t>
             </a:fld>
             <a:endParaRPr lang="en-US"/>
           </a:p>
@@ -5642,8 +5642,17 @@
               <a:rPr lang="en-US" sz="2000" b="1" dirty="0">
                 <a:latin typeface="Quicksand" pitchFamily="2" charset="77"/>
               </a:rPr>
-              <a:t>Examples + Competition + Homework Assignment #1</a:t>
-            </a:r>
+              <a:t>Examples + </a:t>
+            </a:r>
+            <a:r>
+              <a:rPr lang="en-US" sz="2000" b="1">
+                <a:latin typeface="Quicksand" pitchFamily="2" charset="77"/>
+              </a:rPr>
+              <a:t>Individual Assignment</a:t>
+            </a:r>
+            <a:endParaRPr lang="en-US" sz="2000" b="1" dirty="0">
+              <a:latin typeface="Quicksand" pitchFamily="2" charset="77"/>
+            </a:endParaRPr>
           </a:p>
           <a:p>
             <a:pPr marL="171450" indent="-171450">
